--- a/KTVTKPM.pptx
+++ b/KTVTKPM.pptx
@@ -1123,6 +1123,13 @@
         </dgm:presLayoutVars>
       </dgm:prSet>
       <dgm:spPr/>
+      <dgm:t>
+        <a:bodyPr/>
+        <a:lstStyle/>
+        <a:p>
+          <a:endParaRPr lang="en-US"/>
+        </a:p>
+      </dgm:t>
     </dgm:pt>
     <dgm:pt modelId="{0DE3DFA6-424B-47D6-9B4E-7CB22D6CC585}" type="pres">
       <dgm:prSet presAssocID="{7DCB1370-E2B3-444F-BEAD-285732E024C7}" presName="composite" presStyleCnt="0"/>
@@ -1136,6 +1143,13 @@
         </dgm:presLayoutVars>
       </dgm:prSet>
       <dgm:spPr/>
+      <dgm:t>
+        <a:bodyPr/>
+        <a:lstStyle/>
+        <a:p>
+          <a:endParaRPr lang="en-US"/>
+        </a:p>
+      </dgm:t>
     </dgm:pt>
     <dgm:pt modelId="{4F2C494D-E624-475B-A474-B2C940CB74D1}" type="pres">
       <dgm:prSet presAssocID="{7DCB1370-E2B3-444F-BEAD-285732E024C7}" presName="descendantText" presStyleLbl="alignAcc1" presStyleIdx="0" presStyleCnt="2">
@@ -1144,6 +1158,13 @@
         </dgm:presLayoutVars>
       </dgm:prSet>
       <dgm:spPr/>
+      <dgm:t>
+        <a:bodyPr/>
+        <a:lstStyle/>
+        <a:p>
+          <a:endParaRPr lang="en-US"/>
+        </a:p>
+      </dgm:t>
     </dgm:pt>
     <dgm:pt modelId="{C6659056-59DA-4B45-87FE-32328188FC5D}" type="pres">
       <dgm:prSet presAssocID="{A1ECC2A5-5C48-44D7-8FDC-464CC8A80285}" presName="sp" presStyleCnt="0"/>
@@ -1161,6 +1182,13 @@
         </dgm:presLayoutVars>
       </dgm:prSet>
       <dgm:spPr/>
+      <dgm:t>
+        <a:bodyPr/>
+        <a:lstStyle/>
+        <a:p>
+          <a:endParaRPr lang="en-US"/>
+        </a:p>
+      </dgm:t>
     </dgm:pt>
     <dgm:pt modelId="{ADE07F80-993B-4F8F-9A60-C4B80F36581E}" type="pres">
       <dgm:prSet presAssocID="{1623D29C-B64C-4BF2-84F0-7AA95C8A66D6}" presName="descendantText" presStyleLbl="alignAcc1" presStyleIdx="1" presStyleCnt="2">
@@ -1169,18 +1197,25 @@
         </dgm:presLayoutVars>
       </dgm:prSet>
       <dgm:spPr/>
+      <dgm:t>
+        <a:bodyPr/>
+        <a:lstStyle/>
+        <a:p>
+          <a:endParaRPr lang="en-US"/>
+        </a:p>
+      </dgm:t>
     </dgm:pt>
   </dgm:ptLst>
   <dgm:cxnLst>
+    <dgm:cxn modelId="{37BD467B-3CD2-4893-93F9-D868718221A7}" srcId="{1623D29C-B64C-4BF2-84F0-7AA95C8A66D6}" destId="{5C6607A9-DC1B-4105-8A36-304EA4ED504C}" srcOrd="0" destOrd="0" parTransId="{4B7C3014-67C4-4B26-BCC6-E195EFD62AA2}" sibTransId="{57E1CB77-A513-4739-B827-B1CD2F3AAB62}"/>
+    <dgm:cxn modelId="{99F11ABC-CF15-4263-8171-E764DC0C81E2}" type="presOf" srcId="{4D63A514-8918-45E1-AC7B-DD8EDE59C4BC}" destId="{4F2C494D-E624-475B-A474-B2C940CB74D1}" srcOrd="0" destOrd="0" presId="urn:microsoft.com/office/officeart/2005/8/layout/chevron2"/>
+    <dgm:cxn modelId="{EFE16141-024C-4BB6-AB56-6051EB23AA5A}" type="presOf" srcId="{1623D29C-B64C-4BF2-84F0-7AA95C8A66D6}" destId="{F8345D98-68A9-4F50-B868-58DCBF51F55C}" srcOrd="0" destOrd="0" presId="urn:microsoft.com/office/officeart/2005/8/layout/chevron2"/>
+    <dgm:cxn modelId="{618DC65C-5600-42D4-AE16-33AD72786E32}" type="presOf" srcId="{5C6607A9-DC1B-4105-8A36-304EA4ED504C}" destId="{ADE07F80-993B-4F8F-9A60-C4B80F36581E}" srcOrd="0" destOrd="0" presId="urn:microsoft.com/office/officeart/2005/8/layout/chevron2"/>
+    <dgm:cxn modelId="{0A1E60F1-2CA2-4025-9B8B-F070A5231268}" type="presOf" srcId="{DC39B1F5-DBA1-4AD5-9228-C7537947EE78}" destId="{5EB170E1-542A-4C93-90D0-CBCC07FD2F5D}" srcOrd="0" destOrd="0" presId="urn:microsoft.com/office/officeart/2005/8/layout/chevron2"/>
+    <dgm:cxn modelId="{1C11CB4A-B988-411D-AF9E-6A4C13C6265D}" type="presOf" srcId="{7DCB1370-E2B3-444F-BEAD-285732E024C7}" destId="{8A63616D-2FED-4D2B-8FEF-7C8F618F7F60}" srcOrd="0" destOrd="0" presId="urn:microsoft.com/office/officeart/2005/8/layout/chevron2"/>
+    <dgm:cxn modelId="{51A9BB9A-41A4-410D-920C-6C1D99D5E873}" srcId="{DC39B1F5-DBA1-4AD5-9228-C7537947EE78}" destId="{1623D29C-B64C-4BF2-84F0-7AA95C8A66D6}" srcOrd="1" destOrd="0" parTransId="{A893C0F0-073E-49A8-A8B1-C15D050FE086}" sibTransId="{634C016C-1A38-44D7-BC1A-FCC1F96200BF}"/>
+    <dgm:cxn modelId="{4CAB16DD-B0D7-4A66-9518-13EA096A954F}" srcId="{DC39B1F5-DBA1-4AD5-9228-C7537947EE78}" destId="{7DCB1370-E2B3-444F-BEAD-285732E024C7}" srcOrd="0" destOrd="0" parTransId="{EFA8C0F5-3631-468E-99CD-5BAB9F48C65E}" sibTransId="{A1ECC2A5-5C48-44D7-8FDC-464CC8A80285}"/>
     <dgm:cxn modelId="{1E029933-02A4-4912-8F79-A170CF381B66}" srcId="{7DCB1370-E2B3-444F-BEAD-285732E024C7}" destId="{4D63A514-8918-45E1-AC7B-DD8EDE59C4BC}" srcOrd="0" destOrd="0" parTransId="{28119668-DB7E-4D5D-9DD8-BA2322F722A9}" sibTransId="{A185202C-CA65-41A8-B806-D90C972400BD}"/>
-    <dgm:cxn modelId="{618DC65C-5600-42D4-AE16-33AD72786E32}" type="presOf" srcId="{5C6607A9-DC1B-4105-8A36-304EA4ED504C}" destId="{ADE07F80-993B-4F8F-9A60-C4B80F36581E}" srcOrd="0" destOrd="0" presId="urn:microsoft.com/office/officeart/2005/8/layout/chevron2"/>
-    <dgm:cxn modelId="{EFE16141-024C-4BB6-AB56-6051EB23AA5A}" type="presOf" srcId="{1623D29C-B64C-4BF2-84F0-7AA95C8A66D6}" destId="{F8345D98-68A9-4F50-B868-58DCBF51F55C}" srcOrd="0" destOrd="0" presId="urn:microsoft.com/office/officeart/2005/8/layout/chevron2"/>
-    <dgm:cxn modelId="{1C11CB4A-B988-411D-AF9E-6A4C13C6265D}" type="presOf" srcId="{7DCB1370-E2B3-444F-BEAD-285732E024C7}" destId="{8A63616D-2FED-4D2B-8FEF-7C8F618F7F60}" srcOrd="0" destOrd="0" presId="urn:microsoft.com/office/officeart/2005/8/layout/chevron2"/>
-    <dgm:cxn modelId="{37BD467B-3CD2-4893-93F9-D868718221A7}" srcId="{1623D29C-B64C-4BF2-84F0-7AA95C8A66D6}" destId="{5C6607A9-DC1B-4105-8A36-304EA4ED504C}" srcOrd="0" destOrd="0" parTransId="{4B7C3014-67C4-4B26-BCC6-E195EFD62AA2}" sibTransId="{57E1CB77-A513-4739-B827-B1CD2F3AAB62}"/>
-    <dgm:cxn modelId="{51A9BB9A-41A4-410D-920C-6C1D99D5E873}" srcId="{DC39B1F5-DBA1-4AD5-9228-C7537947EE78}" destId="{1623D29C-B64C-4BF2-84F0-7AA95C8A66D6}" srcOrd="1" destOrd="0" parTransId="{A893C0F0-073E-49A8-A8B1-C15D050FE086}" sibTransId="{634C016C-1A38-44D7-BC1A-FCC1F96200BF}"/>
-    <dgm:cxn modelId="{99F11ABC-CF15-4263-8171-E764DC0C81E2}" type="presOf" srcId="{4D63A514-8918-45E1-AC7B-DD8EDE59C4BC}" destId="{4F2C494D-E624-475B-A474-B2C940CB74D1}" srcOrd="0" destOrd="0" presId="urn:microsoft.com/office/officeart/2005/8/layout/chevron2"/>
-    <dgm:cxn modelId="{4CAB16DD-B0D7-4A66-9518-13EA096A954F}" srcId="{DC39B1F5-DBA1-4AD5-9228-C7537947EE78}" destId="{7DCB1370-E2B3-444F-BEAD-285732E024C7}" srcOrd="0" destOrd="0" parTransId="{EFA8C0F5-3631-468E-99CD-5BAB9F48C65E}" sibTransId="{A1ECC2A5-5C48-44D7-8FDC-464CC8A80285}"/>
-    <dgm:cxn modelId="{0A1E60F1-2CA2-4025-9B8B-F070A5231268}" type="presOf" srcId="{DC39B1F5-DBA1-4AD5-9228-C7537947EE78}" destId="{5EB170E1-542A-4C93-90D0-CBCC07FD2F5D}" srcOrd="0" destOrd="0" presId="urn:microsoft.com/office/officeart/2005/8/layout/chevron2"/>
     <dgm:cxn modelId="{8D342BF1-813A-41C0-9584-9CFDC81E2D24}" type="presParOf" srcId="{5EB170E1-542A-4C93-90D0-CBCC07FD2F5D}" destId="{0DE3DFA6-424B-47D6-9B4E-7CB22D6CC585}" srcOrd="0" destOrd="0" presId="urn:microsoft.com/office/officeart/2005/8/layout/chevron2"/>
     <dgm:cxn modelId="{BDF931BF-0F8F-4211-8FB5-4C5F4315BD2F}" type="presParOf" srcId="{0DE3DFA6-424B-47D6-9B4E-7CB22D6CC585}" destId="{8A63616D-2FED-4D2B-8FEF-7C8F618F7F60}" srcOrd="0" destOrd="0" presId="urn:microsoft.com/office/officeart/2005/8/layout/chevron2"/>
     <dgm:cxn modelId="{715CAB64-6A96-4BE1-8C4D-8709C8433AE6}" type="presParOf" srcId="{0DE3DFA6-424B-47D6-9B4E-7CB22D6CC585}" destId="{4F2C494D-E624-475B-A474-B2C940CB74D1}" srcOrd="1" destOrd="0" presId="urn:microsoft.com/office/officeart/2005/8/layout/chevron2"/>
@@ -1261,7 +1296,7 @@
         </a:bodyPr>
         <a:lstStyle/>
         <a:p>
-          <a:pPr marL="0" lvl="0" indent="0" algn="ctr" defTabSz="1689100">
+          <a:pPr lvl="0" algn="ctr" defTabSz="1689100">
             <a:lnSpc>
               <a:spcPct val="90000"/>
             </a:lnSpc>
@@ -1271,7 +1306,6 @@
             <a:spcAft>
               <a:spcPct val="35000"/>
             </a:spcAft>
-            <a:buNone/>
           </a:pPr>
           <a:r>
             <a:rPr lang="en-US" sz="3800" kern="1200" dirty="0"/>
@@ -1347,7 +1381,7 @@
             <a:spcAft>
               <a:spcPct val="15000"/>
             </a:spcAft>
-            <a:buChar char="•"/>
+            <a:buChar char="••"/>
           </a:pPr>
           <a:r>
             <a:rPr lang="en-US" sz="3600" kern="1200" dirty="0" err="1">
@@ -1482,7 +1516,7 @@
         </a:bodyPr>
         <a:lstStyle/>
         <a:p>
-          <a:pPr marL="0" lvl="0" indent="0" algn="ctr" defTabSz="1689100">
+          <a:pPr lvl="0" algn="ctr" defTabSz="1689100">
             <a:lnSpc>
               <a:spcPct val="90000"/>
             </a:lnSpc>
@@ -1492,7 +1526,6 @@
             <a:spcAft>
               <a:spcPct val="35000"/>
             </a:spcAft>
-            <a:buNone/>
           </a:pPr>
           <a:r>
             <a:rPr lang="en-US" sz="3800" kern="1200" dirty="0"/>
@@ -1568,7 +1601,7 @@
             <a:spcAft>
               <a:spcPct val="15000"/>
             </a:spcAft>
-            <a:buChar char="•"/>
+            <a:buChar char="••"/>
           </a:pPr>
           <a:r>
             <a:rPr lang="en-US" sz="3600" kern="1200" dirty="0">
@@ -2965,7 +2998,7 @@
           <a:p>
             <a:fld id="{99FE7101-142F-4BA1-B36E-419AFEDBE775}" type="datetimeFigureOut">
               <a:rPr lang="en-US" smtClean="0"/>
-              <a:t>11/15/2019</a:t>
+              <a:t>6/15/2020</a:t>
             </a:fld>
             <a:endParaRPr lang="en-US"/>
           </a:p>
@@ -3474,7 +3507,7 @@
           <a:p>
             <a:fld id="{812EBF43-0F2F-4FB5-B6F3-C7A8358A3F5D}" type="datetime1">
               <a:rPr lang="en-US" smtClean="0"/>
-              <a:t>11/15/2019</a:t>
+              <a:t>6/15/2020</a:t>
             </a:fld>
             <a:endParaRPr lang="en-US" dirty="0"/>
           </a:p>
@@ -3727,7 +3760,7 @@
           <a:p>
             <a:fld id="{9D4CA7A4-8795-4D89-B049-EABC4128B645}" type="datetime1">
               <a:rPr lang="en-US" smtClean="0"/>
-              <a:t>11/15/2019</a:t>
+              <a:t>6/15/2020</a:t>
             </a:fld>
             <a:endParaRPr lang="en-US" dirty="0"/>
           </a:p>
@@ -3967,7 +4000,7 @@
           <a:p>
             <a:fld id="{5D075966-8A87-44BC-AEDD-3622E35E8737}" type="datetime1">
               <a:rPr lang="en-US" smtClean="0"/>
-              <a:t>11/15/2019</a:t>
+              <a:t>6/15/2020</a:t>
             </a:fld>
             <a:endParaRPr lang="en-US" dirty="0"/>
           </a:p>
@@ -4255,7 +4288,7 @@
           <a:p>
             <a:fld id="{5E8E2156-6B9E-4E4C-8F7C-2DA2B038D298}" type="datetime1">
               <a:rPr lang="en-US" smtClean="0"/>
-              <a:t>11/15/2019</a:t>
+              <a:t>6/15/2020</a:t>
             </a:fld>
             <a:endParaRPr lang="en-US" dirty="0"/>
           </a:p>
@@ -4325,8 +4358,8 @@
           </a:p>
         </p:txBody>
       </p:sp>
-      <mc:AlternateContent xmlns:mc="http://schemas.openxmlformats.org/markup-compatibility/2006" xmlns:am3d="http://schemas.microsoft.com/office/drawing/2017/model3d">
-        <mc:Choice Requires="am3d">
+      <mc:AlternateContent xmlns:mc="http://schemas.openxmlformats.org/markup-compatibility/2006">
+        <mc:Choice xmlns:am3d="http://schemas.microsoft.com/office/drawing/2017/model3d" xmlns="" Requires="am3d">
           <p:graphicFrame>
             <p:nvGraphicFramePr>
               <p:cNvPr id="8" name="3D Model 7" descr="Octopus">
@@ -4416,7 +4449,7 @@
             </a:graphic>
           </p:graphicFrame>
         </mc:Choice>
-        <mc:Fallback xmlns="">
+        <mc:Fallback>
           <p:pic>
             <p:nvPicPr>
               <p:cNvPr id="8" name="3D Model 7" descr="Octopus">
@@ -7074,7 +7107,7 @@
           <a:p>
             <a:fld id="{0FC69317-0CEA-4A61-A804-9FA18E81C719}" type="datetime1">
               <a:rPr lang="en-US" smtClean="0"/>
-              <a:t>11/15/2019</a:t>
+              <a:t>6/15/2020</a:t>
             </a:fld>
             <a:endParaRPr lang="en-US" dirty="0"/>
           </a:p>
@@ -7376,7 +7409,7 @@
           <a:p>
             <a:fld id="{E9F9B46A-6306-4EFA-A79B-7A89202587AD}" type="datetime1">
               <a:rPr lang="en-US" smtClean="0"/>
-              <a:t>11/15/2019</a:t>
+              <a:t>6/15/2020</a:t>
             </a:fld>
             <a:endParaRPr lang="en-US" dirty="0"/>
           </a:p>
@@ -7802,7 +7835,7 @@
           <a:p>
             <a:fld id="{6BE7629B-DF18-44BF-997C-AA3B4C948094}" type="datetime1">
               <a:rPr lang="en-US" smtClean="0"/>
-              <a:t>11/15/2019</a:t>
+              <a:t>6/15/2020</a:t>
             </a:fld>
             <a:endParaRPr lang="en-US" dirty="0"/>
           </a:p>
@@ -7979,7 +8012,7 @@
           <a:p>
             <a:fld id="{FE3BFB8D-FADB-405D-A7DB-DD9D38819A15}" type="datetime1">
               <a:rPr lang="en-US" smtClean="0"/>
-              <a:t>11/15/2019</a:t>
+              <a:t>6/15/2020</a:t>
             </a:fld>
             <a:endParaRPr lang="en-US" dirty="0"/>
           </a:p>
@@ -8103,7 +8136,7 @@
           <a:p>
             <a:fld id="{E62E48AA-EA08-48BC-A48E-38BEAB61F2D5}" type="datetime1">
               <a:rPr lang="en-US" smtClean="0"/>
-              <a:t>11/15/2019</a:t>
+              <a:t>6/15/2020</a:t>
             </a:fld>
             <a:endParaRPr lang="en-US" dirty="0"/>
           </a:p>
@@ -8503,7 +8536,7 @@
           <a:p>
             <a:fld id="{2E42E157-1528-4F38-8DC8-8B427C9C3333}" type="datetime1">
               <a:rPr lang="en-US" smtClean="0"/>
-              <a:t>11/15/2019</a:t>
+              <a:t>6/15/2020</a:t>
             </a:fld>
             <a:endParaRPr lang="en-US" dirty="0"/>
           </a:p>
@@ -8797,7 +8830,7 @@
           <a:p>
             <a:fld id="{B3C93407-B3F7-46D0-84DD-9E2BE0280912}" type="datetime1">
               <a:rPr lang="en-US" smtClean="0"/>
-              <a:t>11/15/2019</a:t>
+              <a:t>6/15/2020</a:t>
             </a:fld>
             <a:endParaRPr lang="en-US" dirty="0"/>
           </a:p>
@@ -9013,7 +9046,7 @@
           <a:p>
             <a:fld id="{FCF557E2-C7BE-418E-B1B1-3E1431EF6D61}" type="datetime1">
               <a:rPr lang="en-US" smtClean="0"/>
-              <a:t>11/15/2019</a:t>
+              <a:t>6/15/2020</a:t>
             </a:fld>
             <a:endParaRPr lang="en-US" dirty="0"/>
           </a:p>
@@ -9916,7 +9949,7 @@
         <p:spPr>
           <a:xfrm>
             <a:off x="1203876" y="3592865"/>
-            <a:ext cx="7009571" cy="1631216"/>
+            <a:ext cx="7009571" cy="1323439"/>
           </a:xfrm>
           <a:prstGeom prst="rect">
             <a:avLst/>
@@ -10337,7 +10370,7 @@
               <a:t>Bích</a:t>
             </a:r>
             <a:r>
-              <a:rPr lang="en-US" sz="2000" dirty="0">
+              <a:rPr lang="en-US" sz="2000">
                 <a:solidFill>
                   <a:schemeClr val="accent1">
                     <a:lumMod val="90000"/>
@@ -10347,16 +10380,10 @@
                 <a:latin typeface="Arial" panose="020B0604020202020204" pitchFamily="34" charset="0"/>
                 <a:cs typeface="Arial" panose="020B0604020202020204" pitchFamily="34" charset="0"/>
               </a:rPr>
-              <a:t> (1521050327)</a:t>
-            </a:r>
-          </a:p>
-          <a:p>
-            <a:pPr marL="557213" lvl="1" indent="-214313">
-              <a:buFont typeface="Arial" panose="020B0604020202020204" pitchFamily="34" charset="0"/>
-              <a:buChar char="•"/>
-            </a:pPr>
-            <a:r>
-              <a:rPr lang="en-US" sz="2000" dirty="0" err="1">
+              <a:t> </a:t>
+            </a:r>
+            <a:r>
+              <a:rPr lang="en-US" sz="2000" smtClean="0">
                 <a:solidFill>
                   <a:schemeClr val="accent1">
                     <a:lumMod val="90000"/>
@@ -10366,10 +10393,10 @@
                 <a:latin typeface="Arial" panose="020B0604020202020204" pitchFamily="34" charset="0"/>
                 <a:cs typeface="Arial" panose="020B0604020202020204" pitchFamily="34" charset="0"/>
               </a:rPr>
-              <a:t>Nguyễn</a:t>
-            </a:r>
-            <a:r>
-              <a:rPr lang="en-US" sz="2000" dirty="0">
+              <a:t>(Nguyễn</a:t>
+            </a:r>
+            <a:r>
+              <a:rPr lang="en-US" sz="2000" dirty="0" smtClean="0">
                 <a:solidFill>
                   <a:schemeClr val="accent1">
                     <a:lumMod val="90000"/>
@@ -10595,7 +10622,7 @@
           <a:p>
             <a:fld id="{ACAF8819-1214-49C9-B951-42299A98211A}" type="datetime1">
               <a:rPr lang="en-US" smtClean="0"/>
-              <a:t>11/15/2019</a:t>
+              <a:t>6/15/2020</a:t>
             </a:fld>
             <a:endParaRPr lang="en-US" dirty="0"/>
           </a:p>
@@ -10813,7 +10840,7 @@
           <a:p>
             <a:fld id="{1358F3DA-0C2D-432C-9122-350E8503CB8B}" type="datetime1">
               <a:rPr lang="en-US" smtClean="0"/>
-              <a:t>11/15/2019</a:t>
+              <a:t>6/15/2020</a:t>
             </a:fld>
             <a:endParaRPr lang="en-US" dirty="0"/>
           </a:p>
@@ -11383,7 +11410,7 @@
           <a:p>
             <a:fld id="{DABE5CDC-6B82-4402-866C-C1CADB87BFA3}" type="datetime1">
               <a:rPr lang="en-US" smtClean="0"/>
-              <a:t>11/15/2019</a:t>
+              <a:t>6/15/2020</a:t>
             </a:fld>
             <a:endParaRPr lang="en-US" dirty="0"/>
           </a:p>
@@ -12049,7 +12076,7 @@
           <a:p>
             <a:fld id="{323D0296-DD48-40EB-A51A-0E39ACCB175D}" type="datetime1">
               <a:rPr lang="en-US" smtClean="0"/>
-              <a:t>11/15/2019</a:t>
+              <a:t>6/15/2020</a:t>
             </a:fld>
             <a:endParaRPr lang="en-US" dirty="0"/>
           </a:p>
@@ -12497,7 +12524,7 @@
           <a:p>
             <a:fld id="{4620B747-E363-47A8-ADFE-408790765960}" type="datetime1">
               <a:rPr lang="en-US" smtClean="0"/>
-              <a:t>11/15/2019</a:t>
+              <a:t>6/15/2020</a:t>
             </a:fld>
             <a:endParaRPr lang="en-US" dirty="0"/>
           </a:p>
@@ -12931,7 +12958,7 @@
           <a:p>
             <a:fld id="{A5682200-F5CD-48CD-A8ED-85F4A965C27A}" type="datetime1">
               <a:rPr lang="en-US" smtClean="0"/>
-              <a:t>11/15/2019</a:t>
+              <a:t>6/15/2020</a:t>
             </a:fld>
             <a:endParaRPr lang="en-US" dirty="0"/>
           </a:p>
@@ -13177,7 +13204,7 @@
           <a:p>
             <a:fld id="{510F0416-E699-4F1A-B1A3-84D5213EED4C}" type="datetime1">
               <a:rPr lang="en-US" smtClean="0"/>
-              <a:t>11/15/2019</a:t>
+              <a:t>6/15/2020</a:t>
             </a:fld>
             <a:endParaRPr lang="en-US" dirty="0"/>
           </a:p>
@@ -13498,7 +13525,7 @@
           <a:p>
             <a:fld id="{A3E5B767-56CB-40B2-9353-6DC416FAB01E}" type="datetime1">
               <a:rPr lang="en-US" smtClean="0"/>
-              <a:t>11/15/2019</a:t>
+              <a:t>6/15/2020</a:t>
             </a:fld>
             <a:endParaRPr lang="en-US" dirty="0"/>
           </a:p>
@@ -13906,7 +13933,7 @@
           <a:p>
             <a:fld id="{0012F585-E63E-4AFE-9C1A-A13F891B9FE1}" type="datetime1">
               <a:rPr lang="en-US" smtClean="0"/>
-              <a:t>11/15/2019</a:t>
+              <a:t>6/15/2020</a:t>
             </a:fld>
             <a:endParaRPr lang="en-US" dirty="0"/>
           </a:p>
@@ -14277,7 +14304,7 @@
           <a:p>
             <a:fld id="{8A58BC8C-8F1D-453D-A4FA-006C77DC120D}" type="datetime1">
               <a:rPr lang="en-US" smtClean="0"/>
-              <a:t>11/15/2019</a:t>
+              <a:t>6/15/2020</a:t>
             </a:fld>
             <a:endParaRPr lang="en-US" dirty="0"/>
           </a:p>
@@ -14705,7 +14732,7 @@
           <a:p>
             <a:fld id="{ACE4116A-036F-46DE-91E6-0E59979C8ADC}" type="datetime1">
               <a:rPr lang="en-US" smtClean="0"/>
-              <a:t>11/15/2019</a:t>
+              <a:t>6/15/2020</a:t>
             </a:fld>
             <a:endParaRPr lang="en-US" dirty="0"/>
           </a:p>
@@ -14884,7 +14911,7 @@
           <a:p>
             <a:fld id="{E8FAF57E-4289-455D-AEB6-8824EA886F8A}" type="datetime1">
               <a:rPr lang="en-US" smtClean="0"/>
-              <a:t>11/15/2019</a:t>
+              <a:t>6/15/2020</a:t>
             </a:fld>
             <a:endParaRPr lang="en-US" dirty="0"/>
           </a:p>
@@ -15121,7 +15148,7 @@
           <a:p>
             <a:fld id="{ADAF5777-E58E-4EF1-BE29-7E0E6B324FD3}" type="datetime1">
               <a:rPr lang="en-US" smtClean="0"/>
-              <a:t>11/15/2019</a:t>
+              <a:t>6/15/2020</a:t>
             </a:fld>
             <a:endParaRPr lang="en-US" dirty="0"/>
           </a:p>
@@ -15690,7 +15717,7 @@
           <a:p>
             <a:fld id="{9D371931-A440-410B-B9B7-5C8D07F51004}" type="datetime1">
               <a:rPr lang="en-US" smtClean="0"/>
-              <a:t>11/15/2019</a:t>
+              <a:t>6/15/2020</a:t>
             </a:fld>
             <a:endParaRPr lang="en-US" dirty="0"/>
           </a:p>
@@ -15916,7 +15943,7 @@
           <a:p>
             <a:fld id="{091876D3-BF1A-4B0E-94BD-3EA5CC9A812C}" type="datetime1">
               <a:rPr lang="en-US" smtClean="0"/>
-              <a:t>11/15/2019</a:t>
+              <a:t>6/15/2020</a:t>
             </a:fld>
             <a:endParaRPr lang="en-US" dirty="0"/>
           </a:p>
@@ -16094,7 +16121,7 @@
           <a:p>
             <a:fld id="{914ABAB4-317F-46A5-A1B5-449D1AB19429}" type="datetime1">
               <a:rPr lang="en-US" smtClean="0"/>
-              <a:t>11/15/2019</a:t>
+              <a:t>6/15/2020</a:t>
             </a:fld>
             <a:endParaRPr lang="en-US" dirty="0"/>
           </a:p>
@@ -16659,7 +16686,7 @@
           <a:p>
             <a:fld id="{09925F40-7677-4AD9-8D3E-72304BB73691}" type="datetime1">
               <a:rPr lang="en-US" smtClean="0"/>
-              <a:t>11/15/2019</a:t>
+              <a:t>6/15/2020</a:t>
             </a:fld>
             <a:endParaRPr lang="en-US" dirty="0"/>
           </a:p>
@@ -16876,7 +16903,7 @@
           <a:p>
             <a:fld id="{C9EBC0E2-34C4-4BED-9B34-5EBA2D597380}" type="datetime1">
               <a:rPr lang="en-US" smtClean="0"/>
-              <a:t>11/15/2019</a:t>
+              <a:t>6/15/2020</a:t>
             </a:fld>
             <a:endParaRPr lang="en-US" dirty="0"/>
           </a:p>
@@ -17441,7 +17468,7 @@
           <a:p>
             <a:fld id="{51773EB5-0E92-4DE2-BDFB-08CB4A534A01}" type="datetime1">
               <a:rPr lang="en-US" smtClean="0"/>
-              <a:t>11/15/2019</a:t>
+              <a:t>6/15/2020</a:t>
             </a:fld>
             <a:endParaRPr lang="en-US" dirty="0"/>
           </a:p>
